--- a/experiments/GSE151511/GSE151511_results.pptx
+++ b/experiments/GSE151511/GSE151511_results.pptx
@@ -10,6 +10,7 @@
     <p:sldId id="258" r:id="rId9"/>
     <p:sldId id="259" r:id="rId10"/>
     <p:sldId id="260" r:id="rId11"/>
+    <p:sldId id="261" r:id="rId12"/>
   </p:sldIdLst>
   <p:sldSz cx="14630400" cy="8229600" type="screen4x3"/>
   <p:notesSz cx="6858000" cy="9144000"/>
@@ -3780,7 +3781,7 @@
           </a:p>
           <a:p>
             <a:r>
-              <a:t>Pseudo-bulk exhaustion scores</a:t>
+              <a:t>Pseudo-bulk exhaustion scores (clinical)</a:t>
             </a:r>
           </a:p>
         </p:txBody>
@@ -3908,6 +3909,201 @@
       <p:pic>
         <p:nvPicPr>
           <p:cNvPr id="8" name="Picture 7" descr="GSE151511_query_agg_aggplot_BBD_Tex.jpeg"/>
+          <p:cNvPicPr>
+            <a:picLocks noChangeAspect="1"/>
+          </p:cNvPicPr>
+          <p:nvPr/>
+        </p:nvPicPr>
+        <p:blipFill>
+          <a:blip r:embed="rId7"/>
+          <a:stretch>
+            <a:fillRect/>
+          </a:stretch>
+        </p:blipFill>
+        <p:spPr>
+          <a:xfrm>
+            <a:off x="9601200" y="4114800"/>
+            <a:ext cx="3291840" cy="2743200"/>
+          </a:xfrm>
+          <a:prstGeom prst="rect">
+            <a:avLst/>
+          </a:prstGeom>
+        </p:spPr>
+      </p:pic>
+    </p:spTree>
+  </p:cSld>
+  <p:clrMapOvr>
+    <a:masterClrMapping/>
+  </p:clrMapOvr>
+</p:sld>
+</file>
+
+<file path=ppt/slides/slide6.xml><?xml version="1.0" encoding="utf-8"?>
+<p:sld xmlns:a="http://schemas.openxmlformats.org/drawingml/2006/main" xmlns:p="http://schemas.openxmlformats.org/presentationml/2006/main" xmlns:r="http://schemas.openxmlformats.org/officeDocument/2006/relationships">
+  <p:cSld>
+    <p:spTree>
+      <p:nvGrpSpPr>
+        <p:cNvPr id="1" name=""/>
+        <p:cNvGrpSpPr/>
+        <p:nvPr/>
+      </p:nvGrpSpPr>
+      <p:grpSpPr/>
+      <p:sp>
+        <p:nvSpPr>
+          <p:cNvPr id="2" name="TextBox 1"/>
+          <p:cNvSpPr txBox="1"/>
+          <p:nvPr/>
+        </p:nvSpPr>
+        <p:spPr>
+          <a:xfrm>
+            <a:off x="0" y="0"/>
+            <a:ext cx="914400" cy="914400"/>
+          </a:xfrm>
+          <a:prstGeom prst="rect">
+            <a:avLst/>
+          </a:prstGeom>
+          <a:noFill/>
+        </p:spPr>
+        <p:txBody>
+          <a:bodyPr wrap="none">
+            <a:spAutoFit/>
+          </a:bodyPr>
+          <a:lstStyle/>
+          <a:p>
+            <a:r>
+              <a:t>GSE151511: CD19 CAR T cell infusion product from cancer patients</a:t>
+            </a:r>
+          </a:p>
+          <a:p>
+            <a:r>
+              <a:t>Pseudo-bulk exhaustion scores (EMR)</a:t>
+            </a:r>
+          </a:p>
+        </p:txBody>
+      </p:sp>
+      <p:pic>
+        <p:nvPicPr>
+          <p:cNvPr id="3" name="Picture 2" descr="GSE151511_query_agg_aggplot_CARTEx_630_EMR.jpeg"/>
+          <p:cNvPicPr>
+            <a:picLocks noChangeAspect="1"/>
+          </p:cNvPicPr>
+          <p:nvPr/>
+        </p:nvPicPr>
+        <p:blipFill>
+          <a:blip r:embed="rId2"/>
+          <a:stretch>
+            <a:fillRect/>
+          </a:stretch>
+        </p:blipFill>
+        <p:spPr>
+          <a:xfrm>
+            <a:off x="457200" y="914400"/>
+            <a:ext cx="3291840" cy="2743200"/>
+          </a:xfrm>
+          <a:prstGeom prst="rect">
+            <a:avLst/>
+          </a:prstGeom>
+        </p:spPr>
+      </p:pic>
+      <p:pic>
+        <p:nvPicPr>
+          <p:cNvPr id="4" name="Picture 3" descr="GSE151511_query_agg_aggplot_CARTEx_200_EMR.jpeg"/>
+          <p:cNvPicPr>
+            <a:picLocks noChangeAspect="1"/>
+          </p:cNvPicPr>
+          <p:nvPr/>
+        </p:nvPicPr>
+        <p:blipFill>
+          <a:blip r:embed="rId3"/>
+          <a:stretch>
+            <a:fillRect/>
+          </a:stretch>
+        </p:blipFill>
+        <p:spPr>
+          <a:xfrm>
+            <a:off x="5029200" y="914400"/>
+            <a:ext cx="3291840" cy="2743200"/>
+          </a:xfrm>
+          <a:prstGeom prst="rect">
+            <a:avLst/>
+          </a:prstGeom>
+        </p:spPr>
+      </p:pic>
+      <p:pic>
+        <p:nvPicPr>
+          <p:cNvPr id="5" name="Picture 4" descr="GSE151511_query_agg_aggplot_CARTEx_84_EMR.jpeg"/>
+          <p:cNvPicPr>
+            <a:picLocks noChangeAspect="1"/>
+          </p:cNvPicPr>
+          <p:nvPr/>
+        </p:nvPicPr>
+        <p:blipFill>
+          <a:blip r:embed="rId4"/>
+          <a:stretch>
+            <a:fillRect/>
+          </a:stretch>
+        </p:blipFill>
+        <p:spPr>
+          <a:xfrm>
+            <a:off x="9601200" y="914400"/>
+            <a:ext cx="3291840" cy="2743200"/>
+          </a:xfrm>
+          <a:prstGeom prst="rect">
+            <a:avLst/>
+          </a:prstGeom>
+        </p:spPr>
+      </p:pic>
+      <p:pic>
+        <p:nvPicPr>
+          <p:cNvPr id="6" name="Picture 5" descr="GSE151511_query_agg_aggplot_LCMV_Tex_EMR.jpeg"/>
+          <p:cNvPicPr>
+            <a:picLocks noChangeAspect="1"/>
+          </p:cNvPicPr>
+          <p:nvPr/>
+        </p:nvPicPr>
+        <p:blipFill>
+          <a:blip r:embed="rId5"/>
+          <a:stretch>
+            <a:fillRect/>
+          </a:stretch>
+        </p:blipFill>
+        <p:spPr>
+          <a:xfrm>
+            <a:off x="457200" y="4114800"/>
+            <a:ext cx="3291840" cy="2743200"/>
+          </a:xfrm>
+          <a:prstGeom prst="rect">
+            <a:avLst/>
+          </a:prstGeom>
+        </p:spPr>
+      </p:pic>
+      <p:pic>
+        <p:nvPicPr>
+          <p:cNvPr id="7" name="Picture 6" descr="GSE151511_query_agg_aggplot_NKlike_Tex_EMR.jpeg"/>
+          <p:cNvPicPr>
+            <a:picLocks noChangeAspect="1"/>
+          </p:cNvPicPr>
+          <p:nvPr/>
+        </p:nvPicPr>
+        <p:blipFill>
+          <a:blip r:embed="rId6"/>
+          <a:stretch>
+            <a:fillRect/>
+          </a:stretch>
+        </p:blipFill>
+        <p:spPr>
+          <a:xfrm>
+            <a:off x="5029200" y="4114800"/>
+            <a:ext cx="3291840" cy="2743200"/>
+          </a:xfrm>
+          <a:prstGeom prst="rect">
+            <a:avLst/>
+          </a:prstGeom>
+        </p:spPr>
+      </p:pic>
+      <p:pic>
+        <p:nvPicPr>
+          <p:cNvPr id="8" name="Picture 7" descr="GSE151511_query_agg_aggplot_BBD_Tex_EMR.jpeg"/>
           <p:cNvPicPr>
             <a:picLocks noChangeAspect="1"/>
           </p:cNvPicPr>

--- a/experiments/GSE151511/GSE151511_results.pptx
+++ b/experiments/GSE151511/GSE151511_results.pptx
@@ -5,12 +5,13 @@
     <p:sldMasterId id="2147483648" r:id="rId1"/>
   </p:sldMasterIdLst>
   <p:sldIdLst>
-    <p:sldId id="256" r:id="rId7"/>
-    <p:sldId id="257" r:id="rId8"/>
-    <p:sldId id="258" r:id="rId9"/>
-    <p:sldId id="259" r:id="rId10"/>
-    <p:sldId id="260" r:id="rId11"/>
-    <p:sldId id="261" r:id="rId12"/>
+    <p:sldId r:id="rId7" id="256"/>
+    <p:sldId r:id="rId8" id="257"/>
+    <p:sldId r:id="rId9" id="258"/>
+    <p:sldId r:id="rId10" id="259"/>
+    <p:sldId r:id="rId11" id="260"/>
+    <p:sldId r:id="rId12" id="261"/>
+    <p:sldId r:id="rId13" id="262"/>
   </p:sldIdLst>
   <p:sldSz cx="14630400" cy="8229600" type="screen4x3"/>
   <p:notesSz cx="6858000" cy="9144000"/>
@@ -3290,7 +3291,7 @@
         <p:spPr>
           <a:xfrm>
             <a:off x="457200" y="914400"/>
-            <a:ext cx="3566160" cy="2743200"/>
+            <a:ext cx="4114800" cy="2743200"/>
           </a:xfrm>
           <a:prstGeom prst="rect">
             <a:avLst/>
@@ -3314,7 +3315,7 @@
         <p:spPr>
           <a:xfrm>
             <a:off x="5029200" y="914400"/>
-            <a:ext cx="3291840" cy="2743200"/>
+            <a:ext cx="4114800" cy="2743200"/>
           </a:xfrm>
           <a:prstGeom prst="rect">
             <a:avLst/>
@@ -3338,7 +3339,7 @@
         <p:spPr>
           <a:xfrm>
             <a:off x="9601200" y="914400"/>
-            <a:ext cx="4114800" cy="2743200"/>
+            <a:ext cx="3977640" cy="2743200"/>
           </a:xfrm>
           <a:prstGeom prst="rect">
             <a:avLst/>
@@ -3461,7 +3462,7 @@
         <p:spPr>
           <a:xfrm>
             <a:off x="457200" y="914400"/>
-            <a:ext cx="3291840" cy="2743200"/>
+            <a:ext cx="3703320" cy="2743200"/>
           </a:xfrm>
           <a:prstGeom prst="rect">
             <a:avLst/>
@@ -3485,7 +3486,7 @@
         <p:spPr>
           <a:xfrm>
             <a:off x="5029200" y="914400"/>
-            <a:ext cx="3291840" cy="2743200"/>
+            <a:ext cx="3703320" cy="2743200"/>
           </a:xfrm>
           <a:prstGeom prst="rect">
             <a:avLst/>
@@ -3509,7 +3510,7 @@
         <p:spPr>
           <a:xfrm>
             <a:off x="457200" y="4114800"/>
-            <a:ext cx="3291840" cy="2743200"/>
+            <a:ext cx="3703320" cy="2743200"/>
           </a:xfrm>
           <a:prstGeom prst="rect">
             <a:avLst/>
@@ -3533,7 +3534,7 @@
         <p:spPr>
           <a:xfrm>
             <a:off x="5029200" y="4114800"/>
-            <a:ext cx="3291840" cy="2743200"/>
+            <a:ext cx="3703320" cy="2743200"/>
           </a:xfrm>
           <a:prstGeom prst="rect">
             <a:avLst/>
@@ -3608,7 +3609,7 @@
         <p:spPr>
           <a:xfrm>
             <a:off x="457200" y="914400"/>
-            <a:ext cx="3291840" cy="2743200"/>
+            <a:ext cx="3703320" cy="2743200"/>
           </a:xfrm>
           <a:prstGeom prst="rect">
             <a:avLst/>
@@ -3632,7 +3633,7 @@
         <p:spPr>
           <a:xfrm>
             <a:off x="5029200" y="914400"/>
-            <a:ext cx="3291840" cy="2743200"/>
+            <a:ext cx="3703320" cy="2743200"/>
           </a:xfrm>
           <a:prstGeom prst="rect">
             <a:avLst/>
@@ -3656,7 +3657,7 @@
         <p:spPr>
           <a:xfrm>
             <a:off x="9601200" y="914400"/>
-            <a:ext cx="3291840" cy="2743200"/>
+            <a:ext cx="3703320" cy="2743200"/>
           </a:xfrm>
           <a:prstGeom prst="rect">
             <a:avLst/>
@@ -3680,7 +3681,7 @@
         <p:spPr>
           <a:xfrm>
             <a:off x="457200" y="4114800"/>
-            <a:ext cx="3291840" cy="2743200"/>
+            <a:ext cx="3703320" cy="2743200"/>
           </a:xfrm>
           <a:prstGeom prst="rect">
             <a:avLst/>
@@ -3704,7 +3705,7 @@
         <p:spPr>
           <a:xfrm>
             <a:off x="5029200" y="4114800"/>
-            <a:ext cx="3291840" cy="2743200"/>
+            <a:ext cx="3703320" cy="2743200"/>
           </a:xfrm>
           <a:prstGeom prst="rect">
             <a:avLst/>
@@ -3728,7 +3729,7 @@
         <p:spPr>
           <a:xfrm>
             <a:off x="9601200" y="4114800"/>
-            <a:ext cx="3291840" cy="2743200"/>
+            <a:ext cx="3703320" cy="2743200"/>
           </a:xfrm>
           <a:prstGeom prst="rect">
             <a:avLst/>
@@ -3803,7 +3804,7 @@
         <p:spPr>
           <a:xfrm>
             <a:off x="457200" y="914400"/>
-            <a:ext cx="3291840" cy="2743200"/>
+            <a:ext cx="2743200" cy="2743200"/>
           </a:xfrm>
           <a:prstGeom prst="rect">
             <a:avLst/>
@@ -3827,7 +3828,7 @@
         <p:spPr>
           <a:xfrm>
             <a:off x="5029200" y="914400"/>
-            <a:ext cx="3291840" cy="2743200"/>
+            <a:ext cx="2743200" cy="2743200"/>
           </a:xfrm>
           <a:prstGeom prst="rect">
             <a:avLst/>
@@ -3851,7 +3852,7 @@
         <p:spPr>
           <a:xfrm>
             <a:off x="9601200" y="914400"/>
-            <a:ext cx="3291840" cy="2743200"/>
+            <a:ext cx="2743200" cy="2743200"/>
           </a:xfrm>
           <a:prstGeom prst="rect">
             <a:avLst/>
@@ -3875,7 +3876,7 @@
         <p:spPr>
           <a:xfrm>
             <a:off x="457200" y="4114800"/>
-            <a:ext cx="3291840" cy="2743200"/>
+            <a:ext cx="2743200" cy="2743200"/>
           </a:xfrm>
           <a:prstGeom prst="rect">
             <a:avLst/>
@@ -3899,7 +3900,7 @@
         <p:spPr>
           <a:xfrm>
             <a:off x="5029200" y="4114800"/>
-            <a:ext cx="3291840" cy="2743200"/>
+            <a:ext cx="2743200" cy="2743200"/>
           </a:xfrm>
           <a:prstGeom prst="rect">
             <a:avLst/>
@@ -3923,7 +3924,7 @@
         <p:spPr>
           <a:xfrm>
             <a:off x="9601200" y="4114800"/>
-            <a:ext cx="3291840" cy="2743200"/>
+            <a:ext cx="2743200" cy="2743200"/>
           </a:xfrm>
           <a:prstGeom prst="rect">
             <a:avLst/>
@@ -3998,7 +3999,7 @@
         <p:spPr>
           <a:xfrm>
             <a:off x="457200" y="914400"/>
-            <a:ext cx="3291840" cy="2743200"/>
+            <a:ext cx="2743200" cy="2743200"/>
           </a:xfrm>
           <a:prstGeom prst="rect">
             <a:avLst/>
@@ -4022,7 +4023,7 @@
         <p:spPr>
           <a:xfrm>
             <a:off x="5029200" y="914400"/>
-            <a:ext cx="3291840" cy="2743200"/>
+            <a:ext cx="2743200" cy="2743200"/>
           </a:xfrm>
           <a:prstGeom prst="rect">
             <a:avLst/>
@@ -4046,7 +4047,7 @@
         <p:spPr>
           <a:xfrm>
             <a:off x="9601200" y="914400"/>
-            <a:ext cx="3291840" cy="2743200"/>
+            <a:ext cx="2743200" cy="2743200"/>
           </a:xfrm>
           <a:prstGeom prst="rect">
             <a:avLst/>
@@ -4070,7 +4071,7 @@
         <p:spPr>
           <a:xfrm>
             <a:off x="457200" y="4114800"/>
-            <a:ext cx="3291840" cy="2743200"/>
+            <a:ext cx="2743200" cy="2743200"/>
           </a:xfrm>
           <a:prstGeom prst="rect">
             <a:avLst/>
@@ -4094,7 +4095,7 @@
         <p:spPr>
           <a:xfrm>
             <a:off x="5029200" y="4114800"/>
-            <a:ext cx="3291840" cy="2743200"/>
+            <a:ext cx="2743200" cy="2743200"/>
           </a:xfrm>
           <a:prstGeom prst="rect">
             <a:avLst/>
@@ -4118,13 +4119,141 @@
         <p:spPr>
           <a:xfrm>
             <a:off x="9601200" y="4114800"/>
-            <a:ext cx="3291840" cy="2743200"/>
+            <a:ext cx="2743200" cy="2743200"/>
           </a:xfrm>
           <a:prstGeom prst="rect">
             <a:avLst/>
           </a:prstGeom>
         </p:spPr>
       </p:pic>
+    </p:spTree>
+  </p:cSld>
+  <p:clrMapOvr>
+    <a:masterClrMapping/>
+  </p:clrMapOvr>
+</p:sld>
+</file>
+
+<file path=ppt/slides/slide7.xml><?xml version="1.0" encoding="utf-8"?>
+<p:sld xmlns:a="http://schemas.openxmlformats.org/drawingml/2006/main" xmlns:p="http://schemas.openxmlformats.org/presentationml/2006/main" xmlns:r="http://schemas.openxmlformats.org/officeDocument/2006/relationships">
+  <p:cSld>
+    <p:spTree>
+      <p:nvGrpSpPr>
+        <p:cNvPr id="1" name=""/>
+        <p:cNvGrpSpPr/>
+        <p:nvPr/>
+      </p:nvGrpSpPr>
+      <p:grpSpPr/>
+      <p:sp>
+        <p:nvSpPr>
+          <p:cNvPr id="2" name="TextBox 1"/>
+          <p:cNvSpPr txBox="1"/>
+          <p:nvPr/>
+        </p:nvSpPr>
+        <p:spPr>
+          <a:xfrm>
+            <a:off x="0" y="0"/>
+            <a:ext cx="914400" cy="914400"/>
+          </a:xfrm>
+          <a:prstGeom prst="rect">
+            <a:avLst/>
+          </a:prstGeom>
+          <a:noFill/>
+        </p:spPr>
+        <p:txBody>
+          <a:bodyPr wrap="none">
+            <a:spAutoFit/>
+          </a:bodyPr>
+          <a:lstStyle/>
+          <a:p>
+            <a:r>
+              <a:t>GSE151511: CD19 CAR T cell infusion product from cancer patients</a:t>
+            </a:r>
+          </a:p>
+          <a:p>
+            <a:r>
+              <a:t>Violin plots for canonical exhaustion markers</a:t>
+            </a:r>
+          </a:p>
+        </p:txBody>
+      </p:sp>
+      <p:pic>
+        <p:nvPicPr>
+          <p:cNvPr id="3" name="Picture 2" descr="GSE151511_prepare_vlnplot_response_exhaustion_markers.jpeg"/>
+          <p:cNvPicPr>
+            <a:picLocks noChangeAspect="1"/>
+          </p:cNvPicPr>
+          <p:nvPr/>
+        </p:nvPicPr>
+        <p:blipFill>
+          <a:blip r:embed="rId2"/>
+          <a:stretch>
+            <a:fillRect/>
+          </a:stretch>
+        </p:blipFill>
+        <p:spPr>
+          <a:xfrm>
+            <a:off x="457200" y="914400"/>
+            <a:ext cx="9753600" cy="7315200"/>
+          </a:xfrm>
+          <a:prstGeom prst="rect">
+            <a:avLst/>
+          </a:prstGeom>
+        </p:spPr>
+      </p:pic>
+      <p:sp>
+        <p:nvSpPr>
+          <p:cNvPr id="4" name="TextBox 3"/>
+          <p:cNvSpPr txBox="1"/>
+          <p:nvPr/>
+        </p:nvSpPr>
+        <p:spPr>
+          <a:xfrm>
+            <a:off x="7315200" y="5029200"/>
+            <a:ext cx="914400" cy="914400"/>
+          </a:xfrm>
+          <a:prstGeom prst="rect">
+            <a:avLst/>
+          </a:prstGeom>
+          <a:noFill/>
+        </p:spPr>
+        <p:txBody>
+          <a:bodyPr wrap="none">
+            <a:spAutoFit/>
+          </a:bodyPr>
+          <a:lstStyle/>
+          <a:p>
+            <a:r>
+              <a:t>Gene and corresponding protein</a:t>
+            </a:r>
+          </a:p>
+          <a:p>
+            <a:r>
+              <a:t>PDCD1 encodes PD-1</a:t>
+            </a:r>
+          </a:p>
+          <a:p>
+            <a:r>
+              <a:t>HAVCR2 encodes TIM-3</a:t>
+            </a:r>
+          </a:p>
+          <a:p>
+            <a:r>
+              <a:t>LAG3 encodes LAG-3</a:t>
+            </a:r>
+          </a:p>
+          <a:p>
+            <a:r>
+              <a:t>CTLA4 encodes CTLA-4</a:t>
+            </a:r>
+          </a:p>
+          <a:p>
+            <a:r>
+              <a:t>NT5E encodes CD73</a:t>
+            </a:r>
+          </a:p>
+        </p:txBody>
+      </p:sp>
     </p:spTree>
   </p:cSld>
   <p:clrMapOvr>
